--- a/materials/slides/第一章 JavaScript概述.pptx
+++ b/materials/slides/第一章 JavaScript概述.pptx
@@ -170,7 +170,7 @@
   </p:defaultTextStyle>
   <p:extLst>
     <p:ext uri="{EFAFB233-063F-42B5-8137-9DF3F51BA10A}">
-      <p15:sldGuideLst xmlns:p15="http://schemas.microsoft.com/office/powerpoint/2012/main" xmlns="">
+      <p15:sldGuideLst xmlns="" xmlns:p15="http://schemas.microsoft.com/office/powerpoint/2012/main">
         <p15:guide id="1" orient="horz" pos="1584" userDrawn="1">
           <p15:clr>
             <a:srgbClr val="A4A3A4"/>
@@ -3020,12 +3020,12 @@
               <a:t>Web</a:t>
             </a:r>
             <a:r>
-              <a:rPr kumimoji="0" lang="zh-CN" altLang="en-US" sz="4800" b="1" dirty="0">
+              <a:rPr kumimoji="0" lang="zh-CN" altLang="en-US" sz="4800" b="1" dirty="0" smtClean="0">
                 <a:solidFill>
                   <a:schemeClr val="tx2"/>
                 </a:solidFill>
               </a:rPr>
-              <a:t>开发（二）</a:t>
+              <a:t>开发二</a:t>
             </a:r>
             <a:endParaRPr kumimoji="0" lang="zh-CN" altLang="zh-CN" sz="4800" b="1" dirty="0">
               <a:solidFill>
@@ -5259,14 +5259,23 @@
               <a:buChar char="Ø"/>
             </a:pPr>
             <a:r>
-              <a:rPr lang="en-US" altLang="zh-CN" sz="2800" b="1" dirty="0"/>
+              <a:rPr lang="en-US" altLang="zh-CN" sz="2800" b="1" dirty="0">
+                <a:latin typeface="+mj-ea"/>
+                <a:ea typeface="+mj-ea"/>
+              </a:rPr>
               <a:t>JavaScript </a:t>
             </a:r>
             <a:r>
-              <a:rPr lang="zh-CN" altLang="en-US" sz="2800" b="1" dirty="0"/>
+              <a:rPr lang="zh-CN" altLang="en-US" sz="2800" b="1" dirty="0">
+                <a:latin typeface="+mj-ea"/>
+                <a:ea typeface="+mj-ea"/>
+              </a:rPr>
               <a:t>简介</a:t>
             </a:r>
-            <a:endParaRPr lang="en-US" altLang="zh-CN" sz="2800" b="1" dirty="0"/>
+            <a:endParaRPr lang="en-US" altLang="zh-CN" sz="2800" b="1" dirty="0">
+              <a:latin typeface="+mj-ea"/>
+              <a:ea typeface="+mj-ea"/>
+            </a:endParaRPr>
           </a:p>
           <a:p>
             <a:pPr>
@@ -5290,6 +5299,8 @@
                 <a:solidFill>
                   <a:srgbClr val="FF0000"/>
                 </a:solidFill>
+                <a:latin typeface="+mj-ea"/>
+                <a:ea typeface="+mj-ea"/>
               </a:rPr>
               <a:t>JavaScript </a:t>
             </a:r>
@@ -5298,13 +5309,27 @@
                 <a:solidFill>
                   <a:srgbClr val="FF0000"/>
                 </a:solidFill>
-              </a:rPr>
-              <a:t>优缺点</a:t>
+                <a:latin typeface="+mj-ea"/>
+                <a:ea typeface="+mj-ea"/>
+              </a:rPr>
+              <a:t>特</a:t>
+            </a:r>
+            <a:r>
+              <a:rPr lang="zh-CN" altLang="en-US" sz="2800" b="1" dirty="0" smtClean="0">
+                <a:solidFill>
+                  <a:srgbClr val="FF0000"/>
+                </a:solidFill>
+                <a:latin typeface="+mj-ea"/>
+                <a:ea typeface="+mj-ea"/>
+              </a:rPr>
+              <a:t>点</a:t>
             </a:r>
             <a:endParaRPr lang="en-US" altLang="zh-CN" sz="2800" b="1" dirty="0">
               <a:solidFill>
                 <a:srgbClr val="FF0000"/>
               </a:solidFill>
+              <a:latin typeface="+mj-ea"/>
+              <a:ea typeface="+mj-ea"/>
             </a:endParaRPr>
           </a:p>
           <a:p>
@@ -5325,12 +5350,22 @@
               <a:buChar char="Ø"/>
             </a:pPr>
             <a:r>
-              <a:rPr lang="en-US" altLang="zh-CN" sz="2800" b="1" dirty="0"/>
+              <a:rPr lang="en-US" altLang="zh-CN" sz="2800" b="1" dirty="0">
+                <a:latin typeface="+mj-ea"/>
+                <a:ea typeface="+mj-ea"/>
+              </a:rPr>
               <a:t>JavaScript </a:t>
             </a:r>
             <a:r>
+              <a:rPr lang="zh-CN" altLang="en-US" sz="2800" b="1" dirty="0">
+                <a:latin typeface="+mj-ea"/>
+                <a:ea typeface="+mj-ea"/>
+              </a:rPr>
+              <a:t>基本用法</a:t>
+            </a:r>
+            <a:r>
               <a:rPr lang="zh-CN" altLang="en-US" sz="2800" b="1" dirty="0"/>
-              <a:t>基本用法 </a:t>
+              <a:t> </a:t>
             </a:r>
             <a:endParaRPr lang="en-US" altLang="zh-CN" sz="2800" b="1" dirty="0"/>
           </a:p>
@@ -5682,8 +5717,13 @@
             </a:r>
             <a:r>
               <a:rPr lang="zh-CN" altLang="en-US" dirty="0"/>
-              <a:t>优点</a:t>
-            </a:r>
+              <a:t>特</a:t>
+            </a:r>
+            <a:r>
+              <a:rPr lang="zh-CN" altLang="en-US" dirty="0" smtClean="0"/>
+              <a:t>点</a:t>
+            </a:r>
+            <a:endParaRPr lang="zh-CN" altLang="en-US" dirty="0"/>
           </a:p>
           <a:p>
             <a:endParaRPr lang="zh-CN" altLang="en-US" dirty="0"/>
@@ -5865,8 +5905,13 @@
             </a:r>
             <a:r>
               <a:rPr lang="zh-CN" altLang="en-US" dirty="0"/>
-              <a:t>优点</a:t>
-            </a:r>
+              <a:t>特</a:t>
+            </a:r>
+            <a:r>
+              <a:rPr lang="zh-CN" altLang="en-US" dirty="0" smtClean="0"/>
+              <a:t>点</a:t>
+            </a:r>
+            <a:endParaRPr lang="zh-CN" altLang="en-US" dirty="0"/>
           </a:p>
           <a:p>
             <a:endParaRPr lang="zh-CN" altLang="en-US" dirty="0"/>
@@ -6018,8 +6063,13 @@
             </a:r>
             <a:r>
               <a:rPr lang="zh-CN" altLang="en-US" dirty="0"/>
-              <a:t>缺点</a:t>
-            </a:r>
+              <a:t>特</a:t>
+            </a:r>
+            <a:r>
+              <a:rPr lang="zh-CN" altLang="en-US" dirty="0" smtClean="0"/>
+              <a:t>点</a:t>
+            </a:r>
+            <a:endParaRPr lang="zh-CN" altLang="en-US" dirty="0"/>
           </a:p>
           <a:p>
             <a:endParaRPr lang="zh-CN" altLang="en-US" dirty="0"/>
@@ -6325,11 +6375,11 @@
               <a:t>JavaScript </a:t>
             </a:r>
             <a:r>
-              <a:rPr lang="zh-CN" altLang="en-US" sz="2800" b="1" dirty="0">
+              <a:rPr lang="zh-CN" altLang="en-US" sz="2800" b="1" dirty="0" smtClean="0">
                 <a:latin typeface="+mj-ea"/>
                 <a:ea typeface="+mj-ea"/>
               </a:rPr>
-              <a:t>优缺点</a:t>
+              <a:t>特点</a:t>
             </a:r>
             <a:endParaRPr lang="en-US" altLang="zh-CN" sz="2800" b="1" dirty="0">
               <a:latin typeface="+mj-ea"/>
@@ -7799,7 +7849,7 @@
               <a:t>放在 </a:t>
             </a:r>
             <a:r>
-              <a:rPr lang="en-US" altLang="zh-CN" sz="2800" dirty="0">
+              <a:rPr lang="en-US" altLang="zh-CN" sz="2800" dirty="0" smtClean="0">
                 <a:solidFill>
                   <a:srgbClr val="FF0000"/>
                 </a:solidFill>
@@ -7808,14 +7858,38 @@
               <a:t>&lt;body&gt; </a:t>
             </a:r>
             <a:r>
+              <a:rPr lang="zh-CN" altLang="en-US" sz="2800" dirty="0" smtClean="0">
+                <a:solidFill>
+                  <a:srgbClr val="000000"/>
+                </a:solidFill>
+                <a:latin typeface="微软雅黑" pitchFamily="34" charset="-122"/>
+              </a:rPr>
+              <a:t>结束</a:t>
+            </a:r>
+            <a:r>
               <a:rPr lang="zh-CN" altLang="en-US" sz="2800" dirty="0">
                 <a:solidFill>
                   <a:srgbClr val="000000"/>
                 </a:solidFill>
                 <a:latin typeface="微软雅黑" pitchFamily="34" charset="-122"/>
               </a:rPr>
-              <a:t>标签结束之后</a:t>
-            </a:r>
+              <a:t>标签</a:t>
+            </a:r>
+            <a:r>
+              <a:rPr lang="zh-CN" altLang="en-US" sz="2800" dirty="0" smtClean="0">
+                <a:solidFill>
+                  <a:srgbClr val="000000"/>
+                </a:solidFill>
+                <a:latin typeface="微软雅黑" pitchFamily="34" charset="-122"/>
+              </a:rPr>
+              <a:t>之前</a:t>
+            </a:r>
+            <a:endParaRPr lang="zh-CN" altLang="en-US" sz="2800" dirty="0">
+              <a:solidFill>
+                <a:srgbClr val="000000"/>
+              </a:solidFill>
+              <a:latin typeface="微软雅黑" pitchFamily="34" charset="-122"/>
+            </a:endParaRPr>
           </a:p>
         </p:txBody>
       </p:sp>
@@ -11149,24 +11223,21 @@
             </a:r>
             <a:r>
               <a:rPr kumimoji="0" lang="en-US" altLang="zh-CN" dirty="0"/>
-              <a:t> Dreamweaver</a:t>
-            </a:r>
-            <a:r>
-              <a:rPr kumimoji="0" lang="zh-CN" altLang="en-US" dirty="0"/>
+              <a:t> </a:t>
+            </a:r>
+            <a:r>
+              <a:rPr kumimoji="0" lang="en-US" altLang="zh-CN" dirty="0" err="1" smtClean="0"/>
+              <a:t>VScode</a:t>
+            </a:r>
+            <a:r>
+              <a:rPr kumimoji="0" lang="zh-CN" altLang="en-US" dirty="0" smtClean="0"/>
               <a:t>、</a:t>
             </a:r>
             <a:r>
-              <a:rPr kumimoji="0" lang="en-US" altLang="zh-CN" dirty="0"/>
-              <a:t> </a:t>
-            </a:r>
-            <a:r>
-              <a:rPr kumimoji="0" lang="en-US" altLang="zh-CN" dirty="0" err="1"/>
-              <a:t>Aptana</a:t>
-            </a:r>
-            <a:r>
-              <a:rPr kumimoji="0" lang="en-US" altLang="zh-CN" dirty="0"/>
-              <a:t> Studio</a:t>
-            </a:r>
+              <a:rPr kumimoji="0" lang="en-US" altLang="zh-CN" dirty="0" smtClean="0"/>
+              <a:t>Dreamweaver</a:t>
+            </a:r>
+            <a:endParaRPr kumimoji="0" lang="en-US" altLang="zh-CN" dirty="0"/>
           </a:p>
           <a:p>
             <a:pPr lvl="1">
@@ -11332,29 +11403,10 @@
               <a:t>高级程序设计</a:t>
             </a:r>
             <a:r>
-              <a:rPr lang="en-US" altLang="zh-CN" dirty="0"/>
+              <a:rPr lang="en-US" altLang="zh-CN" smtClean="0"/>
               <a:t>》</a:t>
             </a:r>
-          </a:p>
-          <a:p>
-            <a:pPr>
-              <a:lnSpc>
-                <a:spcPct val="200000"/>
-              </a:lnSpc>
-            </a:pPr>
-            <a:r>
-              <a:rPr lang="en-US" altLang="zh-CN" dirty="0"/>
-              <a:t>《</a:t>
-            </a:r>
-            <a:r>
-              <a:rPr lang="zh-CN" altLang="en-US" dirty="0"/>
-              <a:t>锋利的 </a:t>
-            </a:r>
-            <a:r>
-              <a:rPr lang="en-US" altLang="zh-CN" dirty="0"/>
-              <a:t>jQuery》</a:t>
-            </a:r>
-            <a:endParaRPr lang="zh-CN" altLang="en-US" dirty="0"/>
+            <a:endParaRPr lang="en-US" altLang="zh-CN" dirty="0"/>
           </a:p>
         </p:txBody>
       </p:sp>
@@ -11577,8 +11629,8 @@
               <a:t> Web </a:t>
             </a:r>
             <a:r>
-              <a:rPr kumimoji="0" lang="zh-CN" altLang="en-US" dirty="0"/>
-              <a:t>开发（一）：</a:t>
+              <a:rPr kumimoji="0" lang="zh-CN" altLang="en-US" dirty="0" smtClean="0"/>
+              <a:t>开发一：</a:t>
             </a:r>
             <a:r>
               <a:rPr kumimoji="0" lang="en-US" altLang="zh-CN" dirty="0"/>
@@ -11603,12 +11655,12 @@
               <a:t> Web </a:t>
             </a:r>
             <a:r>
-              <a:rPr kumimoji="0" lang="zh-CN" altLang="en-US" dirty="0">
+              <a:rPr kumimoji="0" lang="zh-CN" altLang="en-US" smtClean="0">
                 <a:solidFill>
                   <a:srgbClr val="FF0000"/>
                 </a:solidFill>
               </a:rPr>
-              <a:t>开发（二）：</a:t>
+              <a:t>开发二：</a:t>
             </a:r>
             <a:r>
               <a:rPr kumimoji="0" lang="en-US" altLang="zh-CN" dirty="0" smtClean="0">
@@ -14120,7 +14172,11 @@
             </a:r>
             <a:r>
               <a:rPr lang="zh-CN" altLang="en-US" sz="2800" b="1" dirty="0"/>
-              <a:t>优缺点</a:t>
+              <a:t>特</a:t>
+            </a:r>
+            <a:r>
+              <a:rPr lang="zh-CN" altLang="en-US" sz="2800" b="1" dirty="0" smtClean="0"/>
+              <a:t>点</a:t>
             </a:r>
             <a:endParaRPr lang="en-US" altLang="zh-CN" sz="2800" b="1" dirty="0"/>
           </a:p>
